--- a/Selinium Learning Material/TestNg_annotation_xmlfile.pptx
+++ b/Selinium Learning Material/TestNg_annotation_xmlfile.pptx
@@ -5,25 +5,26 @@
     <p:sldMasterId id="2147483648" r:id="rId1"/>
   </p:sldMasterIdLst>
   <p:sldIdLst>
-    <p:sldId id="256" r:id="rId2"/>
-    <p:sldId id="260" r:id="rId3"/>
-    <p:sldId id="258" r:id="rId4"/>
-    <p:sldId id="259" r:id="rId5"/>
-    <p:sldId id="261" r:id="rId6"/>
-    <p:sldId id="262" r:id="rId7"/>
-    <p:sldId id="263" r:id="rId8"/>
-    <p:sldId id="264" r:id="rId9"/>
-    <p:sldId id="265" r:id="rId10"/>
-    <p:sldId id="266" r:id="rId11"/>
-    <p:sldId id="267" r:id="rId12"/>
-    <p:sldId id="268" r:id="rId13"/>
-    <p:sldId id="269" r:id="rId14"/>
-    <p:sldId id="270" r:id="rId15"/>
-    <p:sldId id="271" r:id="rId16"/>
-    <p:sldId id="272" r:id="rId17"/>
-    <p:sldId id="273" r:id="rId18"/>
-    <p:sldId id="274" r:id="rId19"/>
-    <p:sldId id="275" r:id="rId20"/>
+    <p:sldId id="276" r:id="rId2"/>
+    <p:sldId id="256" r:id="rId3"/>
+    <p:sldId id="260" r:id="rId4"/>
+    <p:sldId id="258" r:id="rId5"/>
+    <p:sldId id="259" r:id="rId6"/>
+    <p:sldId id="261" r:id="rId7"/>
+    <p:sldId id="262" r:id="rId8"/>
+    <p:sldId id="263" r:id="rId9"/>
+    <p:sldId id="264" r:id="rId10"/>
+    <p:sldId id="265" r:id="rId11"/>
+    <p:sldId id="266" r:id="rId12"/>
+    <p:sldId id="267" r:id="rId13"/>
+    <p:sldId id="268" r:id="rId14"/>
+    <p:sldId id="269" r:id="rId15"/>
+    <p:sldId id="270" r:id="rId16"/>
+    <p:sldId id="271" r:id="rId17"/>
+    <p:sldId id="272" r:id="rId18"/>
+    <p:sldId id="273" r:id="rId19"/>
+    <p:sldId id="274" r:id="rId20"/>
+    <p:sldId id="275" r:id="rId21"/>
   </p:sldIdLst>
   <p:sldSz cx="12192000" cy="6858000"/>
   <p:notesSz cx="6858000" cy="9144000"/>
@@ -122,6 +123,11 @@
       </a:defRPr>
     </a:lvl9pPr>
   </p:defaultTextStyle>
+  <p:extLst>
+    <p:ext uri="{EFAFB233-063F-42B5-8137-9DF3F51BA10A}">
+      <p15:sldGuideLst xmlns:p15="http://schemas.microsoft.com/office/powerpoint/2012/main"/>
+    </p:ext>
+  </p:extLst>
 </p:presentation>
 </file>
 
@@ -272,7 +278,7 @@
           <a:p>
             <a:fld id="{EEB34AF7-2764-410E-A496-4B557093FF94}" type="datetimeFigureOut">
               <a:rPr lang="en-US" smtClean="0"/>
-              <a:t>9/16/2020</a:t>
+              <a:t>9/20/2020</a:t>
             </a:fld>
             <a:endParaRPr lang="en-US"/>
           </a:p>
@@ -470,7 +476,7 @@
           <a:p>
             <a:fld id="{EEB34AF7-2764-410E-A496-4B557093FF94}" type="datetimeFigureOut">
               <a:rPr lang="en-US" smtClean="0"/>
-              <a:t>9/16/2020</a:t>
+              <a:t>9/20/2020</a:t>
             </a:fld>
             <a:endParaRPr lang="en-US"/>
           </a:p>
@@ -678,7 +684,7 @@
           <a:p>
             <a:fld id="{EEB34AF7-2764-410E-A496-4B557093FF94}" type="datetimeFigureOut">
               <a:rPr lang="en-US" smtClean="0"/>
-              <a:t>9/16/2020</a:t>
+              <a:t>9/20/2020</a:t>
             </a:fld>
             <a:endParaRPr lang="en-US"/>
           </a:p>
@@ -876,7 +882,7 @@
           <a:p>
             <a:fld id="{EEB34AF7-2764-410E-A496-4B557093FF94}" type="datetimeFigureOut">
               <a:rPr lang="en-US" smtClean="0"/>
-              <a:t>9/16/2020</a:t>
+              <a:t>9/20/2020</a:t>
             </a:fld>
             <a:endParaRPr lang="en-US"/>
           </a:p>
@@ -1151,7 +1157,7 @@
           <a:p>
             <a:fld id="{EEB34AF7-2764-410E-A496-4B557093FF94}" type="datetimeFigureOut">
               <a:rPr lang="en-US" smtClean="0"/>
-              <a:t>9/16/2020</a:t>
+              <a:t>9/20/2020</a:t>
             </a:fld>
             <a:endParaRPr lang="en-US"/>
           </a:p>
@@ -1416,7 +1422,7 @@
           <a:p>
             <a:fld id="{EEB34AF7-2764-410E-A496-4B557093FF94}" type="datetimeFigureOut">
               <a:rPr lang="en-US" smtClean="0"/>
-              <a:t>9/16/2020</a:t>
+              <a:t>9/20/2020</a:t>
             </a:fld>
             <a:endParaRPr lang="en-US"/>
           </a:p>
@@ -1828,7 +1834,7 @@
           <a:p>
             <a:fld id="{EEB34AF7-2764-410E-A496-4B557093FF94}" type="datetimeFigureOut">
               <a:rPr lang="en-US" smtClean="0"/>
-              <a:t>9/16/2020</a:t>
+              <a:t>9/20/2020</a:t>
             </a:fld>
             <a:endParaRPr lang="en-US"/>
           </a:p>
@@ -1969,7 +1975,7 @@
           <a:p>
             <a:fld id="{EEB34AF7-2764-410E-A496-4B557093FF94}" type="datetimeFigureOut">
               <a:rPr lang="en-US" smtClean="0"/>
-              <a:t>9/16/2020</a:t>
+              <a:t>9/20/2020</a:t>
             </a:fld>
             <a:endParaRPr lang="en-US"/>
           </a:p>
@@ -2082,7 +2088,7 @@
           <a:p>
             <a:fld id="{EEB34AF7-2764-410E-A496-4B557093FF94}" type="datetimeFigureOut">
               <a:rPr lang="en-US" smtClean="0"/>
-              <a:t>9/16/2020</a:t>
+              <a:t>9/20/2020</a:t>
             </a:fld>
             <a:endParaRPr lang="en-US"/>
           </a:p>
@@ -2393,7 +2399,7 @@
           <a:p>
             <a:fld id="{EEB34AF7-2764-410E-A496-4B557093FF94}" type="datetimeFigureOut">
               <a:rPr lang="en-US" smtClean="0"/>
-              <a:t>9/16/2020</a:t>
+              <a:t>9/20/2020</a:t>
             </a:fld>
             <a:endParaRPr lang="en-US"/>
           </a:p>
@@ -2681,7 +2687,7 @@
           <a:p>
             <a:fld id="{EEB34AF7-2764-410E-A496-4B557093FF94}" type="datetimeFigureOut">
               <a:rPr lang="en-US" smtClean="0"/>
-              <a:t>9/16/2020</a:t>
+              <a:t>9/20/2020</a:t>
             </a:fld>
             <a:endParaRPr lang="en-US"/>
           </a:p>
@@ -2922,7 +2928,7 @@
           <a:p>
             <a:fld id="{EEB34AF7-2764-410E-A496-4B557093FF94}" type="datetimeFigureOut">
               <a:rPr lang="en-US" smtClean="0"/>
-              <a:t>9/16/2020</a:t>
+              <a:t>9/20/2020</a:t>
             </a:fld>
             <a:endParaRPr lang="en-US"/>
           </a:p>
@@ -3341,157 +3347,66 @@
       </p:grpSpPr>
       <p:sp>
         <p:nvSpPr>
-          <p:cNvPr id="2" name="TextBox 1">
+          <p:cNvPr id="2" name="Title 1">
             <a:extLst>
               <a:ext uri="{FF2B5EF4-FFF2-40B4-BE49-F238E27FC236}">
-                <a16:creationId xmlns:a16="http://schemas.microsoft.com/office/drawing/2014/main" id="{9991BDD6-0890-4859-9437-69CBBBE9123A}"/>
+                <a16:creationId xmlns:a16="http://schemas.microsoft.com/office/drawing/2014/main" id="{98F0C76A-C86E-49F3-89C2-BC30C7090BE6}"/>
               </a:ext>
             </a:extLst>
           </p:cNvPr>
-          <p:cNvSpPr txBox="1"/>
-          <p:nvPr/>
+          <p:cNvSpPr>
+            <a:spLocks noGrp="1"/>
+          </p:cNvSpPr>
+          <p:nvPr>
+            <p:ph type="ctrTitle"/>
+          </p:nvPr>
         </p:nvSpPr>
         <p:spPr>
           <a:xfrm>
-            <a:off x="5271190" y="272715"/>
-            <a:ext cx="1649619" cy="646331"/>
+            <a:off x="1524000" y="2695073"/>
+            <a:ext cx="9144000" cy="814889"/>
           </a:xfrm>
-          <a:prstGeom prst="rect">
-            <a:avLst/>
-          </a:prstGeom>
-          <a:noFill/>
+          <a:solidFill>
+            <a:schemeClr val="accent2"/>
+          </a:solidFill>
         </p:spPr>
         <p:txBody>
-          <a:bodyPr wrap="none" rtlCol="0">
-            <a:spAutoFit/>
+          <a:bodyPr>
+            <a:normAutofit fontScale="90000"/>
           </a:bodyPr>
           <a:lstStyle/>
           <a:p>
             <a:r>
-              <a:rPr lang="en-US" sz="3600" b="1" dirty="0"/>
-              <a:t>TestNG </a:t>
+              <a:rPr lang="en-US" dirty="0"/>
+              <a:t>selenium</a:t>
             </a:r>
           </a:p>
         </p:txBody>
       </p:sp>
       <p:sp>
         <p:nvSpPr>
-          <p:cNvPr id="3" name="TextBox 2">
+          <p:cNvPr id="3" name="Subtitle 2">
             <a:extLst>
               <a:ext uri="{FF2B5EF4-FFF2-40B4-BE49-F238E27FC236}">
-                <a16:creationId xmlns:a16="http://schemas.microsoft.com/office/drawing/2014/main" id="{C860EB12-95C1-43AE-BF32-C6212E3B556D}"/>
+                <a16:creationId xmlns:a16="http://schemas.microsoft.com/office/drawing/2014/main" id="{489F594C-8FD9-4940-AA08-2E076ADE1685}"/>
               </a:ext>
             </a:extLst>
           </p:cNvPr>
-          <p:cNvSpPr txBox="1"/>
-          <p:nvPr/>
+          <p:cNvSpPr>
+            <a:spLocks noGrp="1"/>
+          </p:cNvSpPr>
+          <p:nvPr>
+            <p:ph type="subTitle" idx="1"/>
+          </p:nvPr>
         </p:nvSpPr>
-        <p:spPr>
-          <a:xfrm>
-            <a:off x="577515" y="1235243"/>
-            <a:ext cx="3377591" cy="523220"/>
-          </a:xfrm>
-          <a:prstGeom prst="rect">
-            <a:avLst/>
-          </a:prstGeom>
-          <a:noFill/>
-        </p:spPr>
+        <p:spPr/>
         <p:txBody>
-          <a:bodyPr wrap="none" rtlCol="0">
-            <a:spAutoFit/>
-          </a:bodyPr>
+          <a:bodyPr/>
           <a:lstStyle/>
           <a:p>
             <a:r>
-              <a:rPr lang="en-US" sz="2800" b="1" dirty="0">
-                <a:highlight>
-                  <a:srgbClr val="C0C0C0"/>
-                </a:highlight>
-              </a:rPr>
-              <a:t>TestNG @annotation </a:t>
-            </a:r>
-          </a:p>
-        </p:txBody>
-      </p:sp>
-      <p:sp>
-        <p:nvSpPr>
-          <p:cNvPr id="8" name="TextBox 7">
-            <a:extLst>
-              <a:ext uri="{FF2B5EF4-FFF2-40B4-BE49-F238E27FC236}">
-                <a16:creationId xmlns:a16="http://schemas.microsoft.com/office/drawing/2014/main" id="{4F272CEC-9B7B-43B5-A128-CE1B8FAA769A}"/>
-              </a:ext>
-            </a:extLst>
-          </p:cNvPr>
-          <p:cNvSpPr txBox="1"/>
-          <p:nvPr/>
-        </p:nvSpPr>
-        <p:spPr>
-          <a:xfrm>
-            <a:off x="753979" y="2679032"/>
-            <a:ext cx="4520853" cy="2585323"/>
-          </a:xfrm>
-          <a:prstGeom prst="rect">
-            <a:avLst/>
-          </a:prstGeom>
-          <a:noFill/>
-        </p:spPr>
-        <p:txBody>
-          <a:bodyPr wrap="none" rtlCol="0">
-            <a:spAutoFit/>
-          </a:bodyPr>
-          <a:lstStyle/>
-          <a:p>
-            <a:r>
               <a:rPr lang="en-US" dirty="0"/>
-              <a:t>@Beforesuite</a:t>
-            </a:r>
-          </a:p>
-          <a:p>
-            <a:r>
-              <a:rPr lang="en-US" dirty="0"/>
-              <a:t>	@Beforetest</a:t>
-            </a:r>
-          </a:p>
-          <a:p>
-            <a:r>
-              <a:rPr lang="en-US" dirty="0"/>
-              <a:t>		@Beforeclass</a:t>
-            </a:r>
-          </a:p>
-          <a:p>
-            <a:r>
-              <a:rPr lang="en-US" dirty="0"/>
-              <a:t>			@Beforemethod</a:t>
-            </a:r>
-          </a:p>
-          <a:p>
-            <a:r>
-              <a:rPr lang="en-US" dirty="0"/>
-              <a:t>				@Test</a:t>
-            </a:r>
-          </a:p>
-          <a:p>
-            <a:r>
-              <a:rPr lang="en-US" dirty="0"/>
-              <a:t>			@Aftermethod</a:t>
-            </a:r>
-          </a:p>
-          <a:p>
-            <a:r>
-              <a:rPr lang="en-US" dirty="0"/>
-              <a:t>		@Afterclass</a:t>
-            </a:r>
-          </a:p>
-          <a:p>
-            <a:r>
-              <a:rPr lang="en-US" dirty="0"/>
-              <a:t>	@Aftertest</a:t>
-            </a:r>
-          </a:p>
-          <a:p>
-            <a:r>
-              <a:rPr lang="en-US" dirty="0"/>
-              <a:t>@Aftersuite</a:t>
+              <a:t>Annotation, Playing TestNG xml, Listeners TestNG</a:t>
             </a:r>
           </a:p>
         </p:txBody>
@@ -3499,7 +3414,7 @@
     </p:spTree>
     <p:extLst>
       <p:ext uri="{BB962C8B-B14F-4D97-AF65-F5344CB8AC3E}">
-        <p14:creationId xmlns:p14="http://schemas.microsoft.com/office/powerpoint/2010/main" val="4002969539"/>
+        <p14:creationId xmlns:p14="http://schemas.microsoft.com/office/powerpoint/2010/main" val="739656775"/>
       </p:ext>
     </p:extLst>
   </p:cSld>
@@ -3531,7 +3446,7 @@
           <p:cNvPr id="3" name="TextBox 2">
             <a:extLst>
               <a:ext uri="{FF2B5EF4-FFF2-40B4-BE49-F238E27FC236}">
-                <a16:creationId xmlns:a16="http://schemas.microsoft.com/office/drawing/2014/main" id="{4A1F8716-C222-41B9-8ECF-C0EE3C89031D}"/>
+                <a16:creationId xmlns:a16="http://schemas.microsoft.com/office/drawing/2014/main" id="{BE224FED-1648-4E82-B177-2DDD0B4C59C9}"/>
               </a:ext>
             </a:extLst>
           </p:cNvPr>
@@ -3541,7 +3456,7 @@
         <p:spPr>
           <a:xfrm>
             <a:off x="336884" y="272716"/>
-            <a:ext cx="1253869" cy="523220"/>
+            <a:ext cx="2491388" cy="523220"/>
           </a:xfrm>
           <a:prstGeom prst="rect">
             <a:avLst/>
@@ -3560,17 +3475,17 @@
                   <a:srgbClr val="C0C0C0"/>
                 </a:highlight>
               </a:rPr>
-              <a:t>Output</a:t>
+              <a:t>homeloan.class</a:t>
             </a:r>
           </a:p>
         </p:txBody>
       </p:sp>
       <p:pic>
         <p:nvPicPr>
-          <p:cNvPr id="7" name="Picture 6">
+          <p:cNvPr id="5" name="Picture 4" descr="A screenshot of a social media post&#10;&#10;Description automatically generated">
             <a:extLst>
               <a:ext uri="{FF2B5EF4-FFF2-40B4-BE49-F238E27FC236}">
-                <a16:creationId xmlns:a16="http://schemas.microsoft.com/office/drawing/2014/main" id="{2ACEA420-02DD-4F6F-A0CB-756C0AF6A281}"/>
+                <a16:creationId xmlns:a16="http://schemas.microsoft.com/office/drawing/2014/main" id="{0E4E6282-C54D-4505-A90E-7F666FD6E756}"/>
               </a:ext>
             </a:extLst>
           </p:cNvPr>
@@ -3593,8 +3508,44 @@
         </p:blipFill>
         <p:spPr>
           <a:xfrm>
-            <a:off x="1761859" y="0"/>
-            <a:ext cx="7815277" cy="6858000"/>
+            <a:off x="4363454" y="0"/>
+            <a:ext cx="6828792" cy="3790522"/>
+          </a:xfrm>
+          <a:prstGeom prst="rect">
+            <a:avLst/>
+          </a:prstGeom>
+        </p:spPr>
+      </p:pic>
+      <p:pic>
+        <p:nvPicPr>
+          <p:cNvPr id="7" name="Picture 6" descr="A screenshot of a social media post&#10;&#10;Description automatically generated">
+            <a:extLst>
+              <a:ext uri="{FF2B5EF4-FFF2-40B4-BE49-F238E27FC236}">
+                <a16:creationId xmlns:a16="http://schemas.microsoft.com/office/drawing/2014/main" id="{4C136188-A957-4D12-A014-240EA112AD3C}"/>
+              </a:ext>
+            </a:extLst>
+          </p:cNvPr>
+          <p:cNvPicPr>
+            <a:picLocks noChangeAspect="1"/>
+          </p:cNvPicPr>
+          <p:nvPr/>
+        </p:nvPicPr>
+        <p:blipFill>
+          <a:blip r:embed="rId3">
+            <a:extLst>
+              <a:ext uri="{28A0092B-C50C-407E-A947-70E740481C1C}">
+                <a14:useLocalDpi xmlns:a14="http://schemas.microsoft.com/office/drawing/2010/main" val="0"/>
+              </a:ext>
+            </a:extLst>
+          </a:blip>
+          <a:stretch>
+            <a:fillRect/>
+          </a:stretch>
+        </p:blipFill>
+        <p:spPr>
+          <a:xfrm>
+            <a:off x="4558994" y="3790521"/>
+            <a:ext cx="6828792" cy="3067478"/>
           </a:xfrm>
           <a:prstGeom prst="rect">
             <a:avLst/>
@@ -3604,7 +3555,7 @@
     </p:spTree>
     <p:extLst>
       <p:ext uri="{BB962C8B-B14F-4D97-AF65-F5344CB8AC3E}">
-        <p14:creationId xmlns:p14="http://schemas.microsoft.com/office/powerpoint/2010/main" val="1281099958"/>
+        <p14:creationId xmlns:p14="http://schemas.microsoft.com/office/powerpoint/2010/main" val="4290803327"/>
       </p:ext>
     </p:extLst>
   </p:cSld>
@@ -3636,6 +3587,111 @@
           <p:cNvPr id="3" name="TextBox 2">
             <a:extLst>
               <a:ext uri="{FF2B5EF4-FFF2-40B4-BE49-F238E27FC236}">
+                <a16:creationId xmlns:a16="http://schemas.microsoft.com/office/drawing/2014/main" id="{4A1F8716-C222-41B9-8ECF-C0EE3C89031D}"/>
+              </a:ext>
+            </a:extLst>
+          </p:cNvPr>
+          <p:cNvSpPr txBox="1"/>
+          <p:nvPr/>
+        </p:nvSpPr>
+        <p:spPr>
+          <a:xfrm>
+            <a:off x="336884" y="272716"/>
+            <a:ext cx="1253869" cy="523220"/>
+          </a:xfrm>
+          <a:prstGeom prst="rect">
+            <a:avLst/>
+          </a:prstGeom>
+          <a:noFill/>
+        </p:spPr>
+        <p:txBody>
+          <a:bodyPr wrap="none" rtlCol="0">
+            <a:spAutoFit/>
+          </a:bodyPr>
+          <a:lstStyle/>
+          <a:p>
+            <a:r>
+              <a:rPr lang="en-US" sz="2800" b="1" dirty="0">
+                <a:highlight>
+                  <a:srgbClr val="C0C0C0"/>
+                </a:highlight>
+              </a:rPr>
+              <a:t>Output</a:t>
+            </a:r>
+          </a:p>
+        </p:txBody>
+      </p:sp>
+      <p:pic>
+        <p:nvPicPr>
+          <p:cNvPr id="7" name="Picture 6">
+            <a:extLst>
+              <a:ext uri="{FF2B5EF4-FFF2-40B4-BE49-F238E27FC236}">
+                <a16:creationId xmlns:a16="http://schemas.microsoft.com/office/drawing/2014/main" id="{2ACEA420-02DD-4F6F-A0CB-756C0AF6A281}"/>
+              </a:ext>
+            </a:extLst>
+          </p:cNvPr>
+          <p:cNvPicPr>
+            <a:picLocks noChangeAspect="1"/>
+          </p:cNvPicPr>
+          <p:nvPr/>
+        </p:nvPicPr>
+        <p:blipFill>
+          <a:blip r:embed="rId2">
+            <a:extLst>
+              <a:ext uri="{28A0092B-C50C-407E-A947-70E740481C1C}">
+                <a14:useLocalDpi xmlns:a14="http://schemas.microsoft.com/office/drawing/2010/main" val="0"/>
+              </a:ext>
+            </a:extLst>
+          </a:blip>
+          <a:stretch>
+            <a:fillRect/>
+          </a:stretch>
+        </p:blipFill>
+        <p:spPr>
+          <a:xfrm>
+            <a:off x="1761859" y="0"/>
+            <a:ext cx="7815277" cy="6858000"/>
+          </a:xfrm>
+          <a:prstGeom prst="rect">
+            <a:avLst/>
+          </a:prstGeom>
+        </p:spPr>
+      </p:pic>
+    </p:spTree>
+    <p:extLst>
+      <p:ext uri="{BB962C8B-B14F-4D97-AF65-F5344CB8AC3E}">
+        <p14:creationId xmlns:p14="http://schemas.microsoft.com/office/powerpoint/2010/main" val="1281099958"/>
+      </p:ext>
+    </p:extLst>
+  </p:cSld>
+  <p:clrMapOvr>
+    <a:masterClrMapping/>
+  </p:clrMapOvr>
+</p:sld>
+</file>
+
+<file path=ppt/slides/slide12.xml><?xml version="1.0" encoding="utf-8"?>
+<p:sld xmlns:a="http://schemas.openxmlformats.org/drawingml/2006/main" xmlns:r="http://schemas.openxmlformats.org/officeDocument/2006/relationships" xmlns:p="http://schemas.openxmlformats.org/presentationml/2006/main">
+  <p:cSld>
+    <p:spTree>
+      <p:nvGrpSpPr>
+        <p:cNvPr id="1" name=""/>
+        <p:cNvGrpSpPr/>
+        <p:nvPr/>
+      </p:nvGrpSpPr>
+      <p:grpSpPr>
+        <a:xfrm>
+          <a:off x="0" y="0"/>
+          <a:ext cx="0" cy="0"/>
+          <a:chOff x="0" y="0"/>
+          <a:chExt cx="0" cy="0"/>
+        </a:xfrm>
+      </p:grpSpPr>
+      <p:sp>
+        <p:nvSpPr>
+          <p:cNvPr id="3" name="TextBox 2">
+            <a:extLst>
+              <a:ext uri="{FF2B5EF4-FFF2-40B4-BE49-F238E27FC236}">
                 <a16:creationId xmlns:a16="http://schemas.microsoft.com/office/drawing/2014/main" id="{73C1C418-5F8D-43F7-8936-402C38C0B491}"/>
               </a:ext>
             </a:extLst>
@@ -4523,7 +4579,7 @@
 </p:sld>
 </file>
 
-<file path=ppt/slides/slide12.xml><?xml version="1.0" encoding="utf-8"?>
+<file path=ppt/slides/slide13.xml><?xml version="1.0" encoding="utf-8"?>
 <p:sld xmlns:a="http://schemas.openxmlformats.org/drawingml/2006/main" xmlns:r="http://schemas.openxmlformats.org/officeDocument/2006/relationships" xmlns:p="http://schemas.openxmlformats.org/presentationml/2006/main">
   <p:cSld>
     <p:spTree>
@@ -5859,7 +5915,7 @@
 </p:sld>
 </file>
 
-<file path=ppt/slides/slide13.xml><?xml version="1.0" encoding="utf-8"?>
+<file path=ppt/slides/slide14.xml><?xml version="1.0" encoding="utf-8"?>
 <p:sld xmlns:a="http://schemas.openxmlformats.org/drawingml/2006/main" xmlns:r="http://schemas.openxmlformats.org/officeDocument/2006/relationships" xmlns:p="http://schemas.openxmlformats.org/presentationml/2006/main">
   <p:cSld>
     <p:spTree>
@@ -6351,7 +6407,7 @@
 </p:sld>
 </file>
 
-<file path=ppt/slides/slide14.xml><?xml version="1.0" encoding="utf-8"?>
+<file path=ppt/slides/slide15.xml><?xml version="1.0" encoding="utf-8"?>
 <p:sld xmlns:a="http://schemas.openxmlformats.org/drawingml/2006/main" xmlns:r="http://schemas.openxmlformats.org/officeDocument/2006/relationships" xmlns:p="http://schemas.openxmlformats.org/presentationml/2006/main">
   <p:cSld>
     <p:spTree>
@@ -7602,7 +7658,7 @@
 </p:sld>
 </file>
 
-<file path=ppt/slides/slide15.xml><?xml version="1.0" encoding="utf-8"?>
+<file path=ppt/slides/slide16.xml><?xml version="1.0" encoding="utf-8"?>
 <p:sld xmlns:a="http://schemas.openxmlformats.org/drawingml/2006/main" xmlns:r="http://schemas.openxmlformats.org/officeDocument/2006/relationships" xmlns:p="http://schemas.openxmlformats.org/presentationml/2006/main">
   <p:cSld>
     <p:spTree>
@@ -8486,7 +8542,7 @@
 </p:sld>
 </file>
 
-<file path=ppt/slides/slide16.xml><?xml version="1.0" encoding="utf-8"?>
+<file path=ppt/slides/slide17.xml><?xml version="1.0" encoding="utf-8"?>
 <p:sld xmlns:a="http://schemas.openxmlformats.org/drawingml/2006/main" xmlns:r="http://schemas.openxmlformats.org/officeDocument/2006/relationships" xmlns:p="http://schemas.openxmlformats.org/presentationml/2006/main">
   <p:cSld>
     <p:spTree>
@@ -9463,7 +9519,7 @@
 </p:sld>
 </file>
 
-<file path=ppt/slides/slide17.xml><?xml version="1.0" encoding="utf-8"?>
+<file path=ppt/slides/slide18.xml><?xml version="1.0" encoding="utf-8"?>
 <p:sld xmlns:a="http://schemas.openxmlformats.org/drawingml/2006/main" xmlns:r="http://schemas.openxmlformats.org/officeDocument/2006/relationships" xmlns:p="http://schemas.openxmlformats.org/presentationml/2006/main">
   <p:cSld>
     <p:spTree>
@@ -10513,7 +10569,7 @@
 </p:sld>
 </file>
 
-<file path=ppt/slides/slide18.xml><?xml version="1.0" encoding="utf-8"?>
+<file path=ppt/slides/slide19.xml><?xml version="1.0" encoding="utf-8"?>
 <p:sld xmlns:a="http://schemas.openxmlformats.org/drawingml/2006/main" xmlns:r="http://schemas.openxmlformats.org/officeDocument/2006/relationships" xmlns:p="http://schemas.openxmlformats.org/presentationml/2006/main">
   <p:cSld>
     <p:spTree>
@@ -11162,7 +11218,194 @@
 </p:sld>
 </file>
 
-<file path=ppt/slides/slide19.xml><?xml version="1.0" encoding="utf-8"?>
+<file path=ppt/slides/slide2.xml><?xml version="1.0" encoding="utf-8"?>
+<p:sld xmlns:a="http://schemas.openxmlformats.org/drawingml/2006/main" xmlns:r="http://schemas.openxmlformats.org/officeDocument/2006/relationships" xmlns:p="http://schemas.openxmlformats.org/presentationml/2006/main">
+  <p:cSld>
+    <p:spTree>
+      <p:nvGrpSpPr>
+        <p:cNvPr id="1" name=""/>
+        <p:cNvGrpSpPr/>
+        <p:nvPr/>
+      </p:nvGrpSpPr>
+      <p:grpSpPr>
+        <a:xfrm>
+          <a:off x="0" y="0"/>
+          <a:ext cx="0" cy="0"/>
+          <a:chOff x="0" y="0"/>
+          <a:chExt cx="0" cy="0"/>
+        </a:xfrm>
+      </p:grpSpPr>
+      <p:sp>
+        <p:nvSpPr>
+          <p:cNvPr id="2" name="TextBox 1">
+            <a:extLst>
+              <a:ext uri="{FF2B5EF4-FFF2-40B4-BE49-F238E27FC236}">
+                <a16:creationId xmlns:a16="http://schemas.microsoft.com/office/drawing/2014/main" id="{9991BDD6-0890-4859-9437-69CBBBE9123A}"/>
+              </a:ext>
+            </a:extLst>
+          </p:cNvPr>
+          <p:cNvSpPr txBox="1"/>
+          <p:nvPr/>
+        </p:nvSpPr>
+        <p:spPr>
+          <a:xfrm>
+            <a:off x="5271190" y="272715"/>
+            <a:ext cx="1649619" cy="646331"/>
+          </a:xfrm>
+          <a:prstGeom prst="rect">
+            <a:avLst/>
+          </a:prstGeom>
+          <a:noFill/>
+        </p:spPr>
+        <p:txBody>
+          <a:bodyPr wrap="none" rtlCol="0">
+            <a:spAutoFit/>
+          </a:bodyPr>
+          <a:lstStyle/>
+          <a:p>
+            <a:r>
+              <a:rPr lang="en-US" sz="3600" b="1" dirty="0"/>
+              <a:t>TestNG </a:t>
+            </a:r>
+          </a:p>
+        </p:txBody>
+      </p:sp>
+      <p:sp>
+        <p:nvSpPr>
+          <p:cNvPr id="3" name="TextBox 2">
+            <a:extLst>
+              <a:ext uri="{FF2B5EF4-FFF2-40B4-BE49-F238E27FC236}">
+                <a16:creationId xmlns:a16="http://schemas.microsoft.com/office/drawing/2014/main" id="{C860EB12-95C1-43AE-BF32-C6212E3B556D}"/>
+              </a:ext>
+            </a:extLst>
+          </p:cNvPr>
+          <p:cNvSpPr txBox="1"/>
+          <p:nvPr/>
+        </p:nvSpPr>
+        <p:spPr>
+          <a:xfrm>
+            <a:off x="577515" y="1235243"/>
+            <a:ext cx="3377591" cy="523220"/>
+          </a:xfrm>
+          <a:prstGeom prst="rect">
+            <a:avLst/>
+          </a:prstGeom>
+          <a:noFill/>
+        </p:spPr>
+        <p:txBody>
+          <a:bodyPr wrap="none" rtlCol="0">
+            <a:spAutoFit/>
+          </a:bodyPr>
+          <a:lstStyle/>
+          <a:p>
+            <a:r>
+              <a:rPr lang="en-US" sz="2800" b="1" dirty="0">
+                <a:highlight>
+                  <a:srgbClr val="C0C0C0"/>
+                </a:highlight>
+              </a:rPr>
+              <a:t>TestNG @annotation </a:t>
+            </a:r>
+          </a:p>
+        </p:txBody>
+      </p:sp>
+      <p:sp>
+        <p:nvSpPr>
+          <p:cNvPr id="8" name="TextBox 7">
+            <a:extLst>
+              <a:ext uri="{FF2B5EF4-FFF2-40B4-BE49-F238E27FC236}">
+                <a16:creationId xmlns:a16="http://schemas.microsoft.com/office/drawing/2014/main" id="{4F272CEC-9B7B-43B5-A128-CE1B8FAA769A}"/>
+              </a:ext>
+            </a:extLst>
+          </p:cNvPr>
+          <p:cNvSpPr txBox="1"/>
+          <p:nvPr/>
+        </p:nvSpPr>
+        <p:spPr>
+          <a:xfrm>
+            <a:off x="753979" y="2679032"/>
+            <a:ext cx="4520853" cy="2585323"/>
+          </a:xfrm>
+          <a:prstGeom prst="rect">
+            <a:avLst/>
+          </a:prstGeom>
+          <a:noFill/>
+        </p:spPr>
+        <p:txBody>
+          <a:bodyPr wrap="none" rtlCol="0">
+            <a:spAutoFit/>
+          </a:bodyPr>
+          <a:lstStyle/>
+          <a:p>
+            <a:r>
+              <a:rPr lang="en-US" dirty="0"/>
+              <a:t>@Beforesuite</a:t>
+            </a:r>
+          </a:p>
+          <a:p>
+            <a:r>
+              <a:rPr lang="en-US" dirty="0"/>
+              <a:t>	@Beforetest</a:t>
+            </a:r>
+          </a:p>
+          <a:p>
+            <a:r>
+              <a:rPr lang="en-US" dirty="0"/>
+              <a:t>		@Beforeclass</a:t>
+            </a:r>
+          </a:p>
+          <a:p>
+            <a:r>
+              <a:rPr lang="en-US" dirty="0"/>
+              <a:t>			@Beforemethod</a:t>
+            </a:r>
+          </a:p>
+          <a:p>
+            <a:r>
+              <a:rPr lang="en-US" dirty="0"/>
+              <a:t>				@Test</a:t>
+            </a:r>
+          </a:p>
+          <a:p>
+            <a:r>
+              <a:rPr lang="en-US" dirty="0"/>
+              <a:t>			@Aftermethod</a:t>
+            </a:r>
+          </a:p>
+          <a:p>
+            <a:r>
+              <a:rPr lang="en-US" dirty="0"/>
+              <a:t>		@Afterclass</a:t>
+            </a:r>
+          </a:p>
+          <a:p>
+            <a:r>
+              <a:rPr lang="en-US" dirty="0"/>
+              <a:t>	@Aftertest</a:t>
+            </a:r>
+          </a:p>
+          <a:p>
+            <a:r>
+              <a:rPr lang="en-US" dirty="0"/>
+              <a:t>@Aftersuite</a:t>
+            </a:r>
+          </a:p>
+        </p:txBody>
+      </p:sp>
+    </p:spTree>
+    <p:extLst>
+      <p:ext uri="{BB962C8B-B14F-4D97-AF65-F5344CB8AC3E}">
+        <p14:creationId xmlns:p14="http://schemas.microsoft.com/office/powerpoint/2010/main" val="4002969539"/>
+      </p:ext>
+    </p:extLst>
+  </p:cSld>
+  <p:clrMapOvr>
+    <a:masterClrMapping/>
+  </p:clrMapOvr>
+</p:sld>
+</file>
+
+<file path=ppt/slides/slide20.xml><?xml version="1.0" encoding="utf-8"?>
 <p:sld xmlns:a="http://schemas.openxmlformats.org/drawingml/2006/main" xmlns:r="http://schemas.openxmlformats.org/officeDocument/2006/relationships" xmlns:p="http://schemas.openxmlformats.org/presentationml/2006/main">
   <p:cSld>
     <p:spTree>
@@ -12733,7 +12976,7 @@
 </p:sld>
 </file>
 
-<file path=ppt/slides/slide2.xml><?xml version="1.0" encoding="utf-8"?>
+<file path=ppt/slides/slide3.xml><?xml version="1.0" encoding="utf-8"?>
 <p:sld xmlns:a="http://schemas.openxmlformats.org/drawingml/2006/main" xmlns:r="http://schemas.openxmlformats.org/officeDocument/2006/relationships" xmlns:p="http://schemas.openxmlformats.org/presentationml/2006/main">
   <p:cSld>
     <p:spTree>
@@ -14728,7 +14971,7 @@
 </p:sld>
 </file>
 
-<file path=ppt/slides/slide3.xml><?xml version="1.0" encoding="utf-8"?>
+<file path=ppt/slides/slide4.xml><?xml version="1.0" encoding="utf-8"?>
 <p:sld xmlns:a="http://schemas.openxmlformats.org/drawingml/2006/main" xmlns:r="http://schemas.openxmlformats.org/officeDocument/2006/relationships" xmlns:p="http://schemas.openxmlformats.org/presentationml/2006/main">
   <p:cSld>
     <p:spTree>
@@ -15335,7 +15578,7 @@
 </p:sld>
 </file>
 
-<file path=ppt/slides/slide4.xml><?xml version="1.0" encoding="utf-8"?>
+<file path=ppt/slides/slide5.xml><?xml version="1.0" encoding="utf-8"?>
 <p:sld xmlns:a="http://schemas.openxmlformats.org/drawingml/2006/main" xmlns:r="http://schemas.openxmlformats.org/officeDocument/2006/relationships" xmlns:p="http://schemas.openxmlformats.org/presentationml/2006/main">
   <p:cSld>
     <p:spTree>
@@ -15745,7 +15988,7 @@
 </p:sld>
 </file>
 
-<file path=ppt/slides/slide5.xml><?xml version="1.0" encoding="utf-8"?>
+<file path=ppt/slides/slide6.xml><?xml version="1.0" encoding="utf-8"?>
 <p:sld xmlns:a="http://schemas.openxmlformats.org/drawingml/2006/main" xmlns:r="http://schemas.openxmlformats.org/officeDocument/2006/relationships" xmlns:p="http://schemas.openxmlformats.org/presentationml/2006/main">
   <p:cSld>
     <p:spTree>
@@ -15933,7 +16176,7 @@
 </p:sld>
 </file>
 
-<file path=ppt/slides/slide6.xml><?xml version="1.0" encoding="utf-8"?>
+<file path=ppt/slides/slide7.xml><?xml version="1.0" encoding="utf-8"?>
 <p:sld xmlns:a="http://schemas.openxmlformats.org/drawingml/2006/main" xmlns:r="http://schemas.openxmlformats.org/officeDocument/2006/relationships" xmlns:p="http://schemas.openxmlformats.org/presentationml/2006/main">
   <p:cSld>
     <p:spTree>
@@ -16034,7 +16277,7 @@
 </p:sld>
 </file>
 
-<file path=ppt/slides/slide7.xml><?xml version="1.0" encoding="utf-8"?>
+<file path=ppt/slides/slide8.xml><?xml version="1.0" encoding="utf-8"?>
 <p:sld xmlns:a="http://schemas.openxmlformats.org/drawingml/2006/main" xmlns:r="http://schemas.openxmlformats.org/officeDocument/2006/relationships" xmlns:p="http://schemas.openxmlformats.org/presentationml/2006/main">
   <p:cSld>
     <p:spTree>
@@ -16130,147 +16373,6 @@
     <p:extLst>
       <p:ext uri="{BB962C8B-B14F-4D97-AF65-F5344CB8AC3E}">
         <p14:creationId xmlns:p14="http://schemas.microsoft.com/office/powerpoint/2010/main" val="150985445"/>
-      </p:ext>
-    </p:extLst>
-  </p:cSld>
-  <p:clrMapOvr>
-    <a:masterClrMapping/>
-  </p:clrMapOvr>
-</p:sld>
-</file>
-
-<file path=ppt/slides/slide8.xml><?xml version="1.0" encoding="utf-8"?>
-<p:sld xmlns:a="http://schemas.openxmlformats.org/drawingml/2006/main" xmlns:r="http://schemas.openxmlformats.org/officeDocument/2006/relationships" xmlns:p="http://schemas.openxmlformats.org/presentationml/2006/main">
-  <p:cSld>
-    <p:spTree>
-      <p:nvGrpSpPr>
-        <p:cNvPr id="1" name=""/>
-        <p:cNvGrpSpPr/>
-        <p:nvPr/>
-      </p:nvGrpSpPr>
-      <p:grpSpPr>
-        <a:xfrm>
-          <a:off x="0" y="0"/>
-          <a:ext cx="0" cy="0"/>
-          <a:chOff x="0" y="0"/>
-          <a:chExt cx="0" cy="0"/>
-        </a:xfrm>
-      </p:grpSpPr>
-      <p:sp>
-        <p:nvSpPr>
-          <p:cNvPr id="3" name="TextBox 2">
-            <a:extLst>
-              <a:ext uri="{FF2B5EF4-FFF2-40B4-BE49-F238E27FC236}">
-                <a16:creationId xmlns:a16="http://schemas.microsoft.com/office/drawing/2014/main" id="{88314BDB-EB07-472C-A851-65B493B21C03}"/>
-              </a:ext>
-            </a:extLst>
-          </p:cNvPr>
-          <p:cNvSpPr txBox="1"/>
-          <p:nvPr/>
-        </p:nvSpPr>
-        <p:spPr>
-          <a:xfrm>
-            <a:off x="336884" y="272716"/>
-            <a:ext cx="2088520" cy="523220"/>
-          </a:xfrm>
-          <a:prstGeom prst="rect">
-            <a:avLst/>
-          </a:prstGeom>
-          <a:noFill/>
-        </p:spPr>
-        <p:txBody>
-          <a:bodyPr wrap="none" rtlCol="0">
-            <a:spAutoFit/>
-          </a:bodyPr>
-          <a:lstStyle/>
-          <a:p>
-            <a:r>
-              <a:rPr lang="en-US" sz="2800" b="1" dirty="0">
-                <a:highlight>
-                  <a:srgbClr val="C0C0C0"/>
-                </a:highlight>
-              </a:rPr>
-              <a:t>carloan.class</a:t>
-            </a:r>
-          </a:p>
-        </p:txBody>
-      </p:sp>
-      <p:pic>
-        <p:nvPicPr>
-          <p:cNvPr id="5" name="Picture 4">
-            <a:extLst>
-              <a:ext uri="{FF2B5EF4-FFF2-40B4-BE49-F238E27FC236}">
-                <a16:creationId xmlns:a16="http://schemas.microsoft.com/office/drawing/2014/main" id="{D45107E8-C5FA-48AC-A0FF-46A8116A79E9}"/>
-              </a:ext>
-            </a:extLst>
-          </p:cNvPr>
-          <p:cNvPicPr>
-            <a:picLocks noChangeAspect="1"/>
-          </p:cNvPicPr>
-          <p:nvPr/>
-        </p:nvPicPr>
-        <p:blipFill>
-          <a:blip r:embed="rId2">
-            <a:extLst>
-              <a:ext uri="{28A0092B-C50C-407E-A947-70E740481C1C}">
-                <a14:useLocalDpi xmlns:a14="http://schemas.microsoft.com/office/drawing/2010/main" val="0"/>
-              </a:ext>
-            </a:extLst>
-          </a:blip>
-          <a:stretch>
-            <a:fillRect/>
-          </a:stretch>
-        </p:blipFill>
-        <p:spPr>
-          <a:xfrm>
-            <a:off x="3736727" y="0"/>
-            <a:ext cx="7717336" cy="3705726"/>
-          </a:xfrm>
-          <a:prstGeom prst="rect">
-            <a:avLst/>
-          </a:prstGeom>
-        </p:spPr>
-      </p:pic>
-      <p:pic>
-        <p:nvPicPr>
-          <p:cNvPr id="7" name="Picture 6">
-            <a:extLst>
-              <a:ext uri="{FF2B5EF4-FFF2-40B4-BE49-F238E27FC236}">
-                <a16:creationId xmlns:a16="http://schemas.microsoft.com/office/drawing/2014/main" id="{B0626806-3701-474C-B722-5B4BFEC50C06}"/>
-              </a:ext>
-            </a:extLst>
-          </p:cNvPr>
-          <p:cNvPicPr>
-            <a:picLocks noChangeAspect="1"/>
-          </p:cNvPicPr>
-          <p:nvPr/>
-        </p:nvPicPr>
-        <p:blipFill>
-          <a:blip r:embed="rId3">
-            <a:extLst>
-              <a:ext uri="{28A0092B-C50C-407E-A947-70E740481C1C}">
-                <a14:useLocalDpi xmlns:a14="http://schemas.microsoft.com/office/drawing/2010/main" val="0"/>
-              </a:ext>
-            </a:extLst>
-          </a:blip>
-          <a:stretch>
-            <a:fillRect/>
-          </a:stretch>
-        </p:blipFill>
-        <p:spPr>
-          <a:xfrm>
-            <a:off x="3816938" y="3705726"/>
-            <a:ext cx="8015707" cy="3152274"/>
-          </a:xfrm>
-          <a:prstGeom prst="rect">
-            <a:avLst/>
-          </a:prstGeom>
-        </p:spPr>
-      </p:pic>
-    </p:spTree>
-    <p:extLst>
-      <p:ext uri="{BB962C8B-B14F-4D97-AF65-F5344CB8AC3E}">
-        <p14:creationId xmlns:p14="http://schemas.microsoft.com/office/powerpoint/2010/main" val="912729498"/>
       </p:ext>
     </p:extLst>
   </p:cSld>
@@ -16302,7 +16404,7 @@
           <p:cNvPr id="3" name="TextBox 2">
             <a:extLst>
               <a:ext uri="{FF2B5EF4-FFF2-40B4-BE49-F238E27FC236}">
-                <a16:creationId xmlns:a16="http://schemas.microsoft.com/office/drawing/2014/main" id="{BE224FED-1648-4E82-B177-2DDD0B4C59C9}"/>
+                <a16:creationId xmlns:a16="http://schemas.microsoft.com/office/drawing/2014/main" id="{88314BDB-EB07-472C-A851-65B493B21C03}"/>
               </a:ext>
             </a:extLst>
           </p:cNvPr>
@@ -16312,7 +16414,7 @@
         <p:spPr>
           <a:xfrm>
             <a:off x="336884" y="272716"/>
-            <a:ext cx="2491388" cy="523220"/>
+            <a:ext cx="2088520" cy="523220"/>
           </a:xfrm>
           <a:prstGeom prst="rect">
             <a:avLst/>
@@ -16331,17 +16433,17 @@
                   <a:srgbClr val="C0C0C0"/>
                 </a:highlight>
               </a:rPr>
-              <a:t>homeloan.class</a:t>
+              <a:t>carloan.class</a:t>
             </a:r>
           </a:p>
         </p:txBody>
       </p:sp>
       <p:pic>
         <p:nvPicPr>
-          <p:cNvPr id="5" name="Picture 4" descr="A screenshot of a social media post&#10;&#10;Description automatically generated">
+          <p:cNvPr id="5" name="Picture 4">
             <a:extLst>
               <a:ext uri="{FF2B5EF4-FFF2-40B4-BE49-F238E27FC236}">
-                <a16:creationId xmlns:a16="http://schemas.microsoft.com/office/drawing/2014/main" id="{0E4E6282-C54D-4505-A90E-7F666FD6E756}"/>
+                <a16:creationId xmlns:a16="http://schemas.microsoft.com/office/drawing/2014/main" id="{D45107E8-C5FA-48AC-A0FF-46A8116A79E9}"/>
               </a:ext>
             </a:extLst>
           </p:cNvPr>
@@ -16364,8 +16466,8 @@
         </p:blipFill>
         <p:spPr>
           <a:xfrm>
-            <a:off x="4363454" y="0"/>
-            <a:ext cx="6828792" cy="3790522"/>
+            <a:off x="3736727" y="0"/>
+            <a:ext cx="7717336" cy="3705726"/>
           </a:xfrm>
           <a:prstGeom prst="rect">
             <a:avLst/>
@@ -16374,10 +16476,10 @@
       </p:pic>
       <p:pic>
         <p:nvPicPr>
-          <p:cNvPr id="7" name="Picture 6" descr="A screenshot of a social media post&#10;&#10;Description automatically generated">
+          <p:cNvPr id="7" name="Picture 6">
             <a:extLst>
               <a:ext uri="{FF2B5EF4-FFF2-40B4-BE49-F238E27FC236}">
-                <a16:creationId xmlns:a16="http://schemas.microsoft.com/office/drawing/2014/main" id="{4C136188-A957-4D12-A014-240EA112AD3C}"/>
+                <a16:creationId xmlns:a16="http://schemas.microsoft.com/office/drawing/2014/main" id="{B0626806-3701-474C-B722-5B4BFEC50C06}"/>
               </a:ext>
             </a:extLst>
           </p:cNvPr>
@@ -16400,8 +16502,8 @@
         </p:blipFill>
         <p:spPr>
           <a:xfrm>
-            <a:off x="4558994" y="3790521"/>
-            <a:ext cx="6828792" cy="3067478"/>
+            <a:off x="3816938" y="3705726"/>
+            <a:ext cx="8015707" cy="3152274"/>
           </a:xfrm>
           <a:prstGeom prst="rect">
             <a:avLst/>
@@ -16411,7 +16513,7 @@
     </p:spTree>
     <p:extLst>
       <p:ext uri="{BB962C8B-B14F-4D97-AF65-F5344CB8AC3E}">
-        <p14:creationId xmlns:p14="http://schemas.microsoft.com/office/powerpoint/2010/main" val="4290803327"/>
+        <p14:creationId xmlns:p14="http://schemas.microsoft.com/office/powerpoint/2010/main" val="912729498"/>
       </p:ext>
     </p:extLst>
   </p:cSld>
